--- a/ЖЕсткийФлекс.pptx
+++ b/ЖЕсткийФлекс.pptx
@@ -259,7 +259,7 @@
           <a:p>
             <a:fld id="{53D05CD3-1395-4E5A-B2AC-AD584DF7730E}" type="datetimeFigureOut">
               <a:rPr lang="ru-RU" smtClean="0"/>
-              <a:t>05.06.2023</a:t>
+              <a:t>18.06.2023</a:t>
             </a:fld>
             <a:endParaRPr lang="ru-RU"/>
           </a:p>
@@ -432,7 +432,7 @@
           <a:p>
             <a:fld id="{53D05CD3-1395-4E5A-B2AC-AD584DF7730E}" type="datetimeFigureOut">
               <a:rPr lang="ru-RU" smtClean="0"/>
-              <a:t>05.06.2023</a:t>
+              <a:t>18.06.2023</a:t>
             </a:fld>
             <a:endParaRPr lang="ru-RU"/>
           </a:p>
@@ -615,7 +615,7 @@
           <a:p>
             <a:fld id="{53D05CD3-1395-4E5A-B2AC-AD584DF7730E}" type="datetimeFigureOut">
               <a:rPr lang="ru-RU" smtClean="0"/>
-              <a:t>05.06.2023</a:t>
+              <a:t>18.06.2023</a:t>
             </a:fld>
             <a:endParaRPr lang="ru-RU"/>
           </a:p>
@@ -788,7 +788,7 @@
           <a:p>
             <a:fld id="{53D05CD3-1395-4E5A-B2AC-AD584DF7730E}" type="datetimeFigureOut">
               <a:rPr lang="ru-RU" smtClean="0"/>
-              <a:t>05.06.2023</a:t>
+              <a:t>18.06.2023</a:t>
             </a:fld>
             <a:endParaRPr lang="ru-RU"/>
           </a:p>
@@ -1035,7 +1035,7 @@
           <a:p>
             <a:fld id="{53D05CD3-1395-4E5A-B2AC-AD584DF7730E}" type="datetimeFigureOut">
               <a:rPr lang="ru-RU" smtClean="0"/>
-              <a:t>05.06.2023</a:t>
+              <a:t>18.06.2023</a:t>
             </a:fld>
             <a:endParaRPr lang="ru-RU"/>
           </a:p>
@@ -1270,7 +1270,7 @@
           <a:p>
             <a:fld id="{53D05CD3-1395-4E5A-B2AC-AD584DF7730E}" type="datetimeFigureOut">
               <a:rPr lang="ru-RU" smtClean="0"/>
-              <a:t>05.06.2023</a:t>
+              <a:t>18.06.2023</a:t>
             </a:fld>
             <a:endParaRPr lang="ru-RU"/>
           </a:p>
@@ -1640,7 +1640,7 @@
           <a:p>
             <a:fld id="{53D05CD3-1395-4E5A-B2AC-AD584DF7730E}" type="datetimeFigureOut">
               <a:rPr lang="ru-RU" smtClean="0"/>
-              <a:t>05.06.2023</a:t>
+              <a:t>18.06.2023</a:t>
             </a:fld>
             <a:endParaRPr lang="ru-RU"/>
           </a:p>
@@ -1761,7 +1761,7 @@
           <a:p>
             <a:fld id="{53D05CD3-1395-4E5A-B2AC-AD584DF7730E}" type="datetimeFigureOut">
               <a:rPr lang="ru-RU" smtClean="0"/>
-              <a:t>05.06.2023</a:t>
+              <a:t>18.06.2023</a:t>
             </a:fld>
             <a:endParaRPr lang="ru-RU"/>
           </a:p>
@@ -1859,7 +1859,7 @@
           <a:p>
             <a:fld id="{53D05CD3-1395-4E5A-B2AC-AD584DF7730E}" type="datetimeFigureOut">
               <a:rPr lang="ru-RU" smtClean="0"/>
-              <a:t>05.06.2023</a:t>
+              <a:t>18.06.2023</a:t>
             </a:fld>
             <a:endParaRPr lang="ru-RU"/>
           </a:p>
@@ -2139,7 +2139,7 @@
           <a:p>
             <a:fld id="{53D05CD3-1395-4E5A-B2AC-AD584DF7730E}" type="datetimeFigureOut">
               <a:rPr lang="ru-RU" smtClean="0"/>
-              <a:t>05.06.2023</a:t>
+              <a:t>18.06.2023</a:t>
             </a:fld>
             <a:endParaRPr lang="ru-RU"/>
           </a:p>
@@ -2399,7 +2399,7 @@
           <a:p>
             <a:fld id="{53D05CD3-1395-4E5A-B2AC-AD584DF7730E}" type="datetimeFigureOut">
               <a:rPr lang="ru-RU" smtClean="0"/>
-              <a:t>05.06.2023</a:t>
+              <a:t>18.06.2023</a:t>
             </a:fld>
             <a:endParaRPr lang="ru-RU"/>
           </a:p>
@@ -2615,7 +2615,7 @@
           <a:p>
             <a:fld id="{53D05CD3-1395-4E5A-B2AC-AD584DF7730E}" type="datetimeFigureOut">
               <a:rPr lang="ru-RU" smtClean="0"/>
-              <a:t>05.06.2023</a:t>
+              <a:t>18.06.2023</a:t>
             </a:fld>
             <a:endParaRPr lang="ru-RU"/>
           </a:p>
@@ -3294,8 +3294,68 @@
                 <a:latin typeface="Times New Roman" panose="02020603050405020304" pitchFamily="18" charset="0"/>
                 <a:cs typeface="Times New Roman" panose="02020603050405020304" pitchFamily="18" charset="0"/>
               </a:rPr>
-              <a:t>данного дипломного проекта является разработка расширяемой информационной системы, которая позволит производить контроль и управление, и собирать информацию об ПК, установленных в кабинетах образовательной организации.</a:t>
-            </a:r>
+              <a:t>данного дипломного проекта является разработка системы</a:t>
+            </a:r>
+            <a:r>
+              <a:rPr lang="en-US" sz="2000" dirty="0">
+                <a:latin typeface="Times New Roman" panose="02020603050405020304" pitchFamily="18" charset="0"/>
+                <a:cs typeface="Times New Roman" panose="02020603050405020304" pitchFamily="18" charset="0"/>
+              </a:rPr>
+              <a:t> </a:t>
+            </a:r>
+            <a:r>
+              <a:rPr lang="ru-RU" sz="2000" dirty="0">
+                <a:latin typeface="Times New Roman" panose="02020603050405020304" pitchFamily="18" charset="0"/>
+                <a:cs typeface="Times New Roman" panose="02020603050405020304" pitchFamily="18" charset="0"/>
+              </a:rPr>
+              <a:t>мониторинга ПК в локальной сети, которая будет обеспечивать контроль</a:t>
+            </a:r>
+            <a:r>
+              <a:rPr lang="en-US" sz="2000" dirty="0">
+                <a:latin typeface="Times New Roman" panose="02020603050405020304" pitchFamily="18" charset="0"/>
+                <a:cs typeface="Times New Roman" panose="02020603050405020304" pitchFamily="18" charset="0"/>
+              </a:rPr>
+              <a:t> </a:t>
+            </a:r>
+            <a:r>
+              <a:rPr lang="ru-RU" sz="2000" dirty="0">
+                <a:latin typeface="Times New Roman" panose="02020603050405020304" pitchFamily="18" charset="0"/>
+                <a:cs typeface="Times New Roman" panose="02020603050405020304" pitchFamily="18" charset="0"/>
+              </a:rPr>
+              <a:t>работы компьютеров, анализировать их производительность и эффективность</a:t>
+            </a:r>
+            <a:r>
+              <a:rPr lang="en-US" sz="2000" dirty="0">
+                <a:latin typeface="Times New Roman" panose="02020603050405020304" pitchFamily="18" charset="0"/>
+                <a:cs typeface="Times New Roman" panose="02020603050405020304" pitchFamily="18" charset="0"/>
+              </a:rPr>
+              <a:t> </a:t>
+            </a:r>
+            <a:r>
+              <a:rPr lang="ru-RU" sz="2000" dirty="0">
+                <a:latin typeface="Times New Roman" panose="02020603050405020304" pitchFamily="18" charset="0"/>
+                <a:cs typeface="Times New Roman" panose="02020603050405020304" pitchFamily="18" charset="0"/>
+              </a:rPr>
+              <a:t>использования ресурсов, предотвращать несанкционированный запуск</a:t>
+            </a:r>
+            <a:r>
+              <a:rPr lang="en-US" sz="2000" dirty="0">
+                <a:latin typeface="Times New Roman" panose="02020603050405020304" pitchFamily="18" charset="0"/>
+                <a:cs typeface="Times New Roman" panose="02020603050405020304" pitchFamily="18" charset="0"/>
+              </a:rPr>
+              <a:t> </a:t>
+            </a:r>
+            <a:r>
+              <a:rPr lang="ru-RU" sz="2000" dirty="0">
+                <a:latin typeface="Times New Roman" panose="02020603050405020304" pitchFamily="18" charset="0"/>
+                <a:cs typeface="Times New Roman" panose="02020603050405020304" pitchFamily="18" charset="0"/>
+              </a:rPr>
+              <a:t>программного обеспечения.</a:t>
+            </a:r>
+            <a:endParaRPr lang="en-US" sz="2000" dirty="0">
+              <a:latin typeface="Times New Roman" panose="02020603050405020304" pitchFamily="18" charset="0"/>
+              <a:cs typeface="Times New Roman" panose="02020603050405020304" pitchFamily="18" charset="0"/>
+            </a:endParaRPr>
           </a:p>
           <a:p>
             <a:pPr marL="0" indent="0" algn="just">
@@ -3327,8 +3387,26 @@
                 <a:latin typeface="Times New Roman" panose="02020603050405020304" pitchFamily="18" charset="0"/>
                 <a:cs typeface="Times New Roman" panose="02020603050405020304" pitchFamily="18" charset="0"/>
               </a:rPr>
-              <a:t>исследования являются ПК в процессе их работы на занятии, деятельность преподавателя, такие как: контроль за учебным процессом, проверка выполненных работ и помощь при выполнение практических заданий, а также локальная сеть, которая позволит осуществлять контроль и управление за всеми ПК удаленно.</a:t>
-            </a:r>
+              <a:t>исследования является комплексная система для мониторинга</a:t>
+            </a:r>
+            <a:r>
+              <a:rPr lang="en-US" sz="2000" dirty="0">
+                <a:latin typeface="Times New Roman" panose="02020603050405020304" pitchFamily="18" charset="0"/>
+                <a:cs typeface="Times New Roman" panose="02020603050405020304" pitchFamily="18" charset="0"/>
+              </a:rPr>
+              <a:t> </a:t>
+            </a:r>
+            <a:r>
+              <a:rPr lang="ru-RU" sz="2000" dirty="0">
+                <a:latin typeface="Times New Roman" panose="02020603050405020304" pitchFamily="18" charset="0"/>
+                <a:cs typeface="Times New Roman" panose="02020603050405020304" pitchFamily="18" charset="0"/>
+              </a:rPr>
+              <a:t>и управления ПК в локальной сети.</a:t>
+            </a:r>
+            <a:endParaRPr lang="en-US" sz="2000" dirty="0">
+              <a:latin typeface="Times New Roman" panose="02020603050405020304" pitchFamily="18" charset="0"/>
+              <a:cs typeface="Times New Roman" panose="02020603050405020304" pitchFamily="18" charset="0"/>
+            </a:endParaRPr>
           </a:p>
           <a:p>
             <a:pPr marL="23400" indent="0" algn="just">
@@ -3366,19 +3444,64 @@
                 <a:latin typeface="Times New Roman" panose="02020603050405020304" pitchFamily="18" charset="0"/>
                 <a:cs typeface="Times New Roman" panose="02020603050405020304" pitchFamily="18" charset="0"/>
               </a:rPr>
-              <a:t>являются сведения о текущем состоянии ПК, а также особенности и инструментарий для их получения и управления ПК удаленно.</a:t>
-            </a:r>
-            <a:endParaRPr lang="ru-RU" sz="2000" dirty="0"/>
-          </a:p>
-          <a:p>
-            <a:pPr marL="252000" algn="just">
-              <a:lnSpc>
-                <a:spcPct val="100000"/>
-              </a:lnSpc>
-              <a:spcBef>
-                <a:spcPts val="0"/>
-              </a:spcBef>
-            </a:pPr>
+              <a:t>являются инструменты для отслеживания</a:t>
+            </a:r>
+            <a:r>
+              <a:rPr lang="en-US" sz="2000" dirty="0">
+                <a:latin typeface="Times New Roman" panose="02020603050405020304" pitchFamily="18" charset="0"/>
+                <a:cs typeface="Times New Roman" panose="02020603050405020304" pitchFamily="18" charset="0"/>
+              </a:rPr>
+              <a:t> </a:t>
+            </a:r>
+            <a:r>
+              <a:rPr lang="ru-RU" sz="2000" dirty="0">
+                <a:latin typeface="Times New Roman" panose="02020603050405020304" pitchFamily="18" charset="0"/>
+                <a:cs typeface="Times New Roman" panose="02020603050405020304" pitchFamily="18" charset="0"/>
+              </a:rPr>
+              <a:t>активности пользователей, контроля доступа к ресурсам, обнаружения и</a:t>
+            </a:r>
+            <a:r>
+              <a:rPr lang="en-US" sz="2000" dirty="0">
+                <a:latin typeface="Times New Roman" panose="02020603050405020304" pitchFamily="18" charset="0"/>
+                <a:cs typeface="Times New Roman" panose="02020603050405020304" pitchFamily="18" charset="0"/>
+              </a:rPr>
+              <a:t> </a:t>
+            </a:r>
+            <a:r>
+              <a:rPr lang="ru-RU" sz="2000" dirty="0">
+                <a:latin typeface="Times New Roman" panose="02020603050405020304" pitchFamily="18" charset="0"/>
+                <a:cs typeface="Times New Roman" panose="02020603050405020304" pitchFamily="18" charset="0"/>
+              </a:rPr>
+              <a:t>предотвращения угроз запуска несанкционированного программного</a:t>
+            </a:r>
+            <a:r>
+              <a:rPr lang="en-US" sz="2000" dirty="0">
+                <a:latin typeface="Times New Roman" panose="02020603050405020304" pitchFamily="18" charset="0"/>
+                <a:cs typeface="Times New Roman" panose="02020603050405020304" pitchFamily="18" charset="0"/>
+              </a:rPr>
+              <a:t> </a:t>
+            </a:r>
+            <a:r>
+              <a:rPr lang="ru-RU" sz="2000" dirty="0">
+                <a:latin typeface="Times New Roman" panose="02020603050405020304" pitchFamily="18" charset="0"/>
+                <a:cs typeface="Times New Roman" panose="02020603050405020304" pitchFamily="18" charset="0"/>
+              </a:rPr>
+              <a:t>обеспечения, а также функции аудита и анализа данных аппаратной</a:t>
+            </a:r>
+            <a:r>
+              <a:rPr lang="en-US" sz="2000" dirty="0">
+                <a:latin typeface="Times New Roman" panose="02020603050405020304" pitchFamily="18" charset="0"/>
+                <a:cs typeface="Times New Roman" panose="02020603050405020304" pitchFamily="18" charset="0"/>
+              </a:rPr>
+              <a:t> </a:t>
+            </a:r>
+            <a:r>
+              <a:rPr lang="ru-RU" sz="2000" dirty="0">
+                <a:latin typeface="Times New Roman" panose="02020603050405020304" pitchFamily="18" charset="0"/>
+                <a:cs typeface="Times New Roman" panose="02020603050405020304" pitchFamily="18" charset="0"/>
+              </a:rPr>
+              <a:t>конфигурации.</a:t>
+            </a:r>
             <a:endParaRPr lang="ru-RU" sz="2400" dirty="0">
               <a:latin typeface="Times New Roman" panose="02020603050405020304" pitchFamily="18" charset="0"/>
               <a:cs typeface="Times New Roman" panose="02020603050405020304" pitchFamily="18" charset="0"/>

--- a/ЖЕсткийФлекс.pptx
+++ b/ЖЕсткийФлекс.pptx
@@ -8,8 +8,8 @@
     <p:sldId id="256" r:id="rId2"/>
     <p:sldId id="257" r:id="rId3"/>
     <p:sldId id="259" r:id="rId4"/>
-    <p:sldId id="261" r:id="rId5"/>
-    <p:sldId id="262" r:id="rId6"/>
+    <p:sldId id="264" r:id="rId5"/>
+    <p:sldId id="261" r:id="rId6"/>
     <p:sldId id="263" r:id="rId7"/>
   </p:sldIdLst>
   <p:sldSz cx="9144000" cy="6858000" type="screen4x3"/>
@@ -259,7 +259,7 @@
           <a:p>
             <a:fld id="{53D05CD3-1395-4E5A-B2AC-AD584DF7730E}" type="datetimeFigureOut">
               <a:rPr lang="ru-RU" smtClean="0"/>
-              <a:t>18.06.2023</a:t>
+              <a:t>22.06.2023</a:t>
             </a:fld>
             <a:endParaRPr lang="ru-RU"/>
           </a:p>
@@ -432,7 +432,7 @@
           <a:p>
             <a:fld id="{53D05CD3-1395-4E5A-B2AC-AD584DF7730E}" type="datetimeFigureOut">
               <a:rPr lang="ru-RU" smtClean="0"/>
-              <a:t>18.06.2023</a:t>
+              <a:t>22.06.2023</a:t>
             </a:fld>
             <a:endParaRPr lang="ru-RU"/>
           </a:p>
@@ -615,7 +615,7 @@
           <a:p>
             <a:fld id="{53D05CD3-1395-4E5A-B2AC-AD584DF7730E}" type="datetimeFigureOut">
               <a:rPr lang="ru-RU" smtClean="0"/>
-              <a:t>18.06.2023</a:t>
+              <a:t>22.06.2023</a:t>
             </a:fld>
             <a:endParaRPr lang="ru-RU"/>
           </a:p>
@@ -788,7 +788,7 @@
           <a:p>
             <a:fld id="{53D05CD3-1395-4E5A-B2AC-AD584DF7730E}" type="datetimeFigureOut">
               <a:rPr lang="ru-RU" smtClean="0"/>
-              <a:t>18.06.2023</a:t>
+              <a:t>22.06.2023</a:t>
             </a:fld>
             <a:endParaRPr lang="ru-RU"/>
           </a:p>
@@ -1035,7 +1035,7 @@
           <a:p>
             <a:fld id="{53D05CD3-1395-4E5A-B2AC-AD584DF7730E}" type="datetimeFigureOut">
               <a:rPr lang="ru-RU" smtClean="0"/>
-              <a:t>18.06.2023</a:t>
+              <a:t>22.06.2023</a:t>
             </a:fld>
             <a:endParaRPr lang="ru-RU"/>
           </a:p>
@@ -1270,7 +1270,7 @@
           <a:p>
             <a:fld id="{53D05CD3-1395-4E5A-B2AC-AD584DF7730E}" type="datetimeFigureOut">
               <a:rPr lang="ru-RU" smtClean="0"/>
-              <a:t>18.06.2023</a:t>
+              <a:t>22.06.2023</a:t>
             </a:fld>
             <a:endParaRPr lang="ru-RU"/>
           </a:p>
@@ -1640,7 +1640,7 @@
           <a:p>
             <a:fld id="{53D05CD3-1395-4E5A-B2AC-AD584DF7730E}" type="datetimeFigureOut">
               <a:rPr lang="ru-RU" smtClean="0"/>
-              <a:t>18.06.2023</a:t>
+              <a:t>22.06.2023</a:t>
             </a:fld>
             <a:endParaRPr lang="ru-RU"/>
           </a:p>
@@ -1761,7 +1761,7 @@
           <a:p>
             <a:fld id="{53D05CD3-1395-4E5A-B2AC-AD584DF7730E}" type="datetimeFigureOut">
               <a:rPr lang="ru-RU" smtClean="0"/>
-              <a:t>18.06.2023</a:t>
+              <a:t>22.06.2023</a:t>
             </a:fld>
             <a:endParaRPr lang="ru-RU"/>
           </a:p>
@@ -1859,7 +1859,7 @@
           <a:p>
             <a:fld id="{53D05CD3-1395-4E5A-B2AC-AD584DF7730E}" type="datetimeFigureOut">
               <a:rPr lang="ru-RU" smtClean="0"/>
-              <a:t>18.06.2023</a:t>
+              <a:t>22.06.2023</a:t>
             </a:fld>
             <a:endParaRPr lang="ru-RU"/>
           </a:p>
@@ -2139,7 +2139,7 @@
           <a:p>
             <a:fld id="{53D05CD3-1395-4E5A-B2AC-AD584DF7730E}" type="datetimeFigureOut">
               <a:rPr lang="ru-RU" smtClean="0"/>
-              <a:t>18.06.2023</a:t>
+              <a:t>22.06.2023</a:t>
             </a:fld>
             <a:endParaRPr lang="ru-RU"/>
           </a:p>
@@ -2399,7 +2399,7 @@
           <a:p>
             <a:fld id="{53D05CD3-1395-4E5A-B2AC-AD584DF7730E}" type="datetimeFigureOut">
               <a:rPr lang="ru-RU" smtClean="0"/>
-              <a:t>18.06.2023</a:t>
+              <a:t>22.06.2023</a:t>
             </a:fld>
             <a:endParaRPr lang="ru-RU"/>
           </a:p>
@@ -2615,7 +2615,7 @@
           <a:p>
             <a:fld id="{53D05CD3-1395-4E5A-B2AC-AD584DF7730E}" type="datetimeFigureOut">
               <a:rPr lang="ru-RU" smtClean="0"/>
-              <a:t>18.06.2023</a:t>
+              <a:t>22.06.2023</a:t>
             </a:fld>
             <a:endParaRPr lang="ru-RU"/>
           </a:p>
@@ -3847,6 +3847,140 @@
                 <a:latin typeface="Times New Roman" panose="02020603050405020304" pitchFamily="18" charset="0"/>
                 <a:cs typeface="Times New Roman" panose="02020603050405020304" pitchFamily="18" charset="0"/>
               </a:rPr>
+              <a:t>Структура файлового хранилища</a:t>
+            </a:r>
+          </a:p>
+        </p:txBody>
+      </p:sp>
+      <p:sp>
+        <p:nvSpPr>
+          <p:cNvPr id="5" name="TextBox 4"/>
+          <p:cNvSpPr txBox="1"/>
+          <p:nvPr/>
+        </p:nvSpPr>
+        <p:spPr>
+          <a:xfrm>
+            <a:off x="1414879" y="6085815"/>
+            <a:ext cx="6696744" cy="400110"/>
+          </a:xfrm>
+          <a:prstGeom prst="rect">
+            <a:avLst/>
+          </a:prstGeom>
+          <a:noFill/>
+        </p:spPr>
+        <p:txBody>
+          <a:bodyPr wrap="square" rtlCol="0">
+            <a:spAutoFit/>
+          </a:bodyPr>
+          <a:lstStyle/>
+          <a:p>
+            <a:pPr algn="ctr"/>
+            <a:r>
+              <a:rPr lang="ru-RU" sz="2000" dirty="0">
+                <a:latin typeface="Times New Roman" panose="02020603050405020304" pitchFamily="18" charset="0"/>
+                <a:cs typeface="Times New Roman" panose="02020603050405020304" pitchFamily="18" charset="0"/>
+              </a:rPr>
+              <a:t>Логическая модель файлового хранилища</a:t>
+            </a:r>
+          </a:p>
+        </p:txBody>
+      </p:sp>
+      <p:pic>
+        <p:nvPicPr>
+          <p:cNvPr id="6" name="Рисунок 5"/>
+          <p:cNvPicPr/>
+          <p:nvPr/>
+        </p:nvPicPr>
+        <p:blipFill>
+          <a:blip r:embed="rId2">
+            <a:extLst>
+              <a:ext uri="{28A0092B-C50C-407E-A947-70E740481C1C}">
+                <a14:useLocalDpi xmlns:a14="http://schemas.microsoft.com/office/drawing/2010/main" val="0"/>
+              </a:ext>
+            </a:extLst>
+          </a:blip>
+          <a:srcRect/>
+          <a:stretch/>
+        </p:blipFill>
+        <p:spPr bwMode="auto">
+          <a:xfrm>
+            <a:off x="1224555" y="1594338"/>
+            <a:ext cx="7077392" cy="4118204"/>
+          </a:xfrm>
+          <a:prstGeom prst="rect">
+            <a:avLst/>
+          </a:prstGeom>
+          <a:ln>
+            <a:noFill/>
+          </a:ln>
+          <a:extLst>
+            <a:ext uri="{53640926-AAD7-44D8-BBD7-CCE9431645EC}">
+              <a14:shadowObscured xmlns:a14="http://schemas.microsoft.com/office/drawing/2010/main"/>
+            </a:ext>
+          </a:extLst>
+        </p:spPr>
+      </p:pic>
+    </p:spTree>
+    <p:extLst>
+      <p:ext uri="{BB962C8B-B14F-4D97-AF65-F5344CB8AC3E}">
+        <p14:creationId xmlns:p14="http://schemas.microsoft.com/office/powerpoint/2010/main" val="2699087397"/>
+      </p:ext>
+    </p:extLst>
+  </p:cSld>
+  <p:clrMapOvr>
+    <a:masterClrMapping/>
+  </p:clrMapOvr>
+  <p:transition>
+    <p:fade/>
+  </p:transition>
+</p:sld>
+</file>
+
+<file path=ppt/slides/slide5.xml><?xml version="1.0" encoding="utf-8"?>
+<p:sld xmlns:a="http://schemas.openxmlformats.org/drawingml/2006/main" xmlns:r="http://schemas.openxmlformats.org/officeDocument/2006/relationships" xmlns:p="http://schemas.openxmlformats.org/presentationml/2006/main">
+  <p:cSld>
+    <p:spTree>
+      <p:nvGrpSpPr>
+        <p:cNvPr id="1" name=""/>
+        <p:cNvGrpSpPr/>
+        <p:nvPr/>
+      </p:nvGrpSpPr>
+      <p:grpSpPr>
+        <a:xfrm>
+          <a:off x="0" y="0"/>
+          <a:ext cx="0" cy="0"/>
+          <a:chOff x="0" y="0"/>
+          <a:chExt cx="0" cy="0"/>
+        </a:xfrm>
+      </p:grpSpPr>
+      <p:sp>
+        <p:nvSpPr>
+          <p:cNvPr id="2" name="Заголовок 1"/>
+          <p:cNvSpPr>
+            <a:spLocks noGrp="1"/>
+          </p:cNvSpPr>
+          <p:nvPr>
+            <p:ph type="title"/>
+          </p:nvPr>
+        </p:nvSpPr>
+        <p:spPr>
+          <a:xfrm>
+            <a:off x="628650" y="128337"/>
+            <a:ext cx="7886700" cy="1183941"/>
+          </a:xfrm>
+        </p:spPr>
+        <p:txBody>
+          <a:bodyPr>
+            <a:noAutofit/>
+          </a:bodyPr>
+          <a:lstStyle/>
+          <a:p>
+            <a:pPr algn="ctr"/>
+            <a:r>
+              <a:rPr lang="ru-RU" sz="3200" dirty="0">
+                <a:latin typeface="Times New Roman" panose="02020603050405020304" pitchFamily="18" charset="0"/>
+                <a:cs typeface="Times New Roman" panose="02020603050405020304" pitchFamily="18" charset="0"/>
+              </a:rPr>
               <a:t>Структура базы данных</a:t>
             </a:r>
           </a:p>
@@ -3924,111 +4058,6 @@
     <p:extLst>
       <p:ext uri="{BB962C8B-B14F-4D97-AF65-F5344CB8AC3E}">
         <p14:creationId xmlns:p14="http://schemas.microsoft.com/office/powerpoint/2010/main" val="536772004"/>
-      </p:ext>
-    </p:extLst>
-  </p:cSld>
-  <p:clrMapOvr>
-    <a:masterClrMapping/>
-  </p:clrMapOvr>
-  <p:transition>
-    <p:fade/>
-  </p:transition>
-</p:sld>
-</file>
-
-<file path=ppt/slides/slide5.xml><?xml version="1.0" encoding="utf-8"?>
-<p:sld xmlns:a="http://schemas.openxmlformats.org/drawingml/2006/main" xmlns:r="http://schemas.openxmlformats.org/officeDocument/2006/relationships" xmlns:p="http://schemas.openxmlformats.org/presentationml/2006/main">
-  <p:cSld>
-    <p:spTree>
-      <p:nvGrpSpPr>
-        <p:cNvPr id="1" name=""/>
-        <p:cNvGrpSpPr/>
-        <p:nvPr/>
-      </p:nvGrpSpPr>
-      <p:grpSpPr>
-        <a:xfrm>
-          <a:off x="0" y="0"/>
-          <a:ext cx="0" cy="0"/>
-          <a:chOff x="0" y="0"/>
-          <a:chExt cx="0" cy="0"/>
-        </a:xfrm>
-      </p:grpSpPr>
-      <p:sp>
-        <p:nvSpPr>
-          <p:cNvPr id="5" name="Заголовок 1"/>
-          <p:cNvSpPr>
-            <a:spLocks noGrp="1"/>
-          </p:cNvSpPr>
-          <p:nvPr>
-            <p:ph type="title"/>
-          </p:nvPr>
-        </p:nvSpPr>
-        <p:spPr>
-          <a:xfrm>
-            <a:off x="641713" y="299812"/>
-            <a:ext cx="7886700" cy="1084851"/>
-          </a:xfrm>
-        </p:spPr>
-        <p:txBody>
-          <a:bodyPr>
-            <a:noAutofit/>
-          </a:bodyPr>
-          <a:lstStyle/>
-          <a:p>
-            <a:pPr algn="ctr"/>
-            <a:r>
-              <a:rPr lang="ru-RU" sz="3200" dirty="0">
-                <a:latin typeface="Times New Roman" panose="02020603050405020304" pitchFamily="18" charset="0"/>
-                <a:cs typeface="Times New Roman" panose="02020603050405020304" pitchFamily="18" charset="0"/>
-              </a:rPr>
-              <a:t>Схема проектируемой структуры клиентского приложения</a:t>
-            </a:r>
-          </a:p>
-        </p:txBody>
-      </p:sp>
-      <p:pic>
-        <p:nvPicPr>
-          <p:cNvPr id="1027" name="Picture 3"/>
-          <p:cNvPicPr>
-            <a:picLocks noChangeAspect="1" noChangeArrowheads="1"/>
-          </p:cNvPicPr>
-          <p:nvPr/>
-        </p:nvPicPr>
-        <p:blipFill>
-          <a:blip r:embed="rId2">
-            <a:extLst>
-              <a:ext uri="{28A0092B-C50C-407E-A947-70E740481C1C}">
-                <a14:useLocalDpi xmlns:a14="http://schemas.microsoft.com/office/drawing/2010/main" val="0"/>
-              </a:ext>
-            </a:extLst>
-          </a:blip>
-          <a:srcRect/>
-          <a:stretch/>
-        </p:blipFill>
-        <p:spPr bwMode="auto">
-          <a:xfrm>
-            <a:off x="1875692" y="2225598"/>
-            <a:ext cx="5861539" cy="3340447"/>
-          </a:xfrm>
-          <a:prstGeom prst="rect">
-            <a:avLst/>
-          </a:prstGeom>
-          <a:noFill/>
-          <a:extLst>
-            <a:ext uri="{909E8E84-426E-40DD-AFC4-6F175D3DCCD1}">
-              <a14:hiddenFill xmlns:a14="http://schemas.microsoft.com/office/drawing/2010/main">
-                <a:solidFill>
-                  <a:srgbClr val="FFFFFF"/>
-                </a:solidFill>
-              </a14:hiddenFill>
-            </a:ext>
-          </a:extLst>
-        </p:spPr>
-      </p:pic>
-    </p:spTree>
-    <p:extLst>
-      <p:ext uri="{BB962C8B-B14F-4D97-AF65-F5344CB8AC3E}">
-        <p14:creationId xmlns:p14="http://schemas.microsoft.com/office/powerpoint/2010/main" val="1015425668"/>
       </p:ext>
     </p:extLst>
   </p:cSld>
